--- a/Lesson-01/EverythingJava001.pptx
+++ b/Lesson-01/EverythingJava001.pptx
@@ -4,6 +4,9 @@
   <p:sldMasterIdLst>
     <p:sldMasterId id="2147484023" r:id="rId1"/>
   </p:sldMasterIdLst>
+  <p:notesMasterIdLst>
+    <p:notesMasterId r:id="rId29"/>
+  </p:notesMasterIdLst>
   <p:sldIdLst>
     <p:sldId id="256" r:id="rId2"/>
     <p:sldId id="266" r:id="rId3"/>
@@ -136,6 +139,355 @@
     </p:ext>
   </p:extLst>
 </p:presentation>
+</file>
+
+<file path=ppt/notesMasters/notesMaster1.xml><?xml version="1.0" encoding="utf-8"?>
+<p:notesMaster xmlns:a="http://schemas.openxmlformats.org/drawingml/2006/main" xmlns:r="http://schemas.openxmlformats.org/officeDocument/2006/relationships" xmlns:p="http://schemas.openxmlformats.org/presentationml/2006/main">
+  <p:cSld>
+    <p:bg>
+      <p:bgRef idx="1001">
+        <a:schemeClr val="bg1"/>
+      </p:bgRef>
+    </p:bg>
+    <p:spTree>
+      <p:nvGrpSpPr>
+        <p:cNvPr id="1" name=""/>
+        <p:cNvGrpSpPr/>
+        <p:nvPr/>
+      </p:nvGrpSpPr>
+      <p:grpSpPr>
+        <a:xfrm>
+          <a:off x="0" y="0"/>
+          <a:ext cx="0" cy="0"/>
+          <a:chOff x="0" y="0"/>
+          <a:chExt cx="0" cy="0"/>
+        </a:xfrm>
+      </p:grpSpPr>
+      <p:sp>
+        <p:nvSpPr>
+          <p:cNvPr id="2" name="Header Placeholder 1"/>
+          <p:cNvSpPr>
+            <a:spLocks noGrp="1"/>
+          </p:cNvSpPr>
+          <p:nvPr>
+            <p:ph type="hdr" sz="quarter"/>
+          </p:nvPr>
+        </p:nvSpPr>
+        <p:spPr>
+          <a:xfrm>
+            <a:off x="0" y="0"/>
+            <a:ext cx="2971800" cy="458788"/>
+          </a:xfrm>
+          <a:prstGeom prst="rect">
+            <a:avLst/>
+          </a:prstGeom>
+        </p:spPr>
+        <p:txBody>
+          <a:bodyPr vert="horz" lIns="91440" tIns="45720" rIns="91440" bIns="45720" rtlCol="0"/>
+          <a:lstStyle>
+            <a:lvl1pPr algn="l">
+              <a:defRPr sz="1200"/>
+            </a:lvl1pPr>
+          </a:lstStyle>
+          <a:p>
+            <a:endParaRPr lang="en-US"/>
+          </a:p>
+        </p:txBody>
+      </p:sp>
+      <p:sp>
+        <p:nvSpPr>
+          <p:cNvPr id="3" name="Date Placeholder 2"/>
+          <p:cNvSpPr>
+            <a:spLocks noGrp="1"/>
+          </p:cNvSpPr>
+          <p:nvPr>
+            <p:ph type="dt" idx="1"/>
+          </p:nvPr>
+        </p:nvSpPr>
+        <p:spPr>
+          <a:xfrm>
+            <a:off x="3884613" y="0"/>
+            <a:ext cx="2971800" cy="458788"/>
+          </a:xfrm>
+          <a:prstGeom prst="rect">
+            <a:avLst/>
+          </a:prstGeom>
+        </p:spPr>
+        <p:txBody>
+          <a:bodyPr vert="horz" lIns="91440" tIns="45720" rIns="91440" bIns="45720" rtlCol="0"/>
+          <a:lstStyle>
+            <a:lvl1pPr algn="r">
+              <a:defRPr sz="1200"/>
+            </a:lvl1pPr>
+          </a:lstStyle>
+          <a:p>
+            <a:fld id="{3BB4E0D7-7CAB-B847-B010-05E6CEB64B50}" type="datetimeFigureOut">
+              <a:rPr lang="en-US" smtClean="0"/>
+              <a:t>4/20/18</a:t>
+            </a:fld>
+            <a:endParaRPr lang="en-US"/>
+          </a:p>
+        </p:txBody>
+      </p:sp>
+      <p:sp>
+        <p:nvSpPr>
+          <p:cNvPr id="4" name="Slide Image Placeholder 3"/>
+          <p:cNvSpPr>
+            <a:spLocks noGrp="1" noRot="1" noChangeAspect="1"/>
+          </p:cNvSpPr>
+          <p:nvPr>
+            <p:ph type="sldImg" idx="2"/>
+          </p:nvPr>
+        </p:nvSpPr>
+        <p:spPr>
+          <a:xfrm>
+            <a:off x="685800" y="1143000"/>
+            <a:ext cx="5486400" cy="3086100"/>
+          </a:xfrm>
+          <a:prstGeom prst="rect">
+            <a:avLst/>
+          </a:prstGeom>
+          <a:noFill/>
+          <a:ln w="12700">
+            <a:solidFill>
+              <a:prstClr val="black"/>
+            </a:solidFill>
+          </a:ln>
+        </p:spPr>
+        <p:txBody>
+          <a:bodyPr vert="horz" lIns="91440" tIns="45720" rIns="91440" bIns="45720" rtlCol="0" anchor="ctr"/>
+          <a:lstStyle/>
+          <a:p>
+            <a:endParaRPr lang="en-US"/>
+          </a:p>
+        </p:txBody>
+      </p:sp>
+      <p:sp>
+        <p:nvSpPr>
+          <p:cNvPr id="5" name="Notes Placeholder 4"/>
+          <p:cNvSpPr>
+            <a:spLocks noGrp="1"/>
+          </p:cNvSpPr>
+          <p:nvPr>
+            <p:ph type="body" sz="quarter" idx="3"/>
+          </p:nvPr>
+        </p:nvSpPr>
+        <p:spPr>
+          <a:xfrm>
+            <a:off x="685800" y="4400550"/>
+            <a:ext cx="5486400" cy="3600450"/>
+          </a:xfrm>
+          <a:prstGeom prst="rect">
+            <a:avLst/>
+          </a:prstGeom>
+        </p:spPr>
+        <p:txBody>
+          <a:bodyPr vert="horz" lIns="91440" tIns="45720" rIns="91440" bIns="45720" rtlCol="0"/>
+          <a:lstStyle/>
+          <a:p>
+            <a:pPr lvl="0"/>
+            <a:r>
+              <a:rPr lang="en-US"/>
+              <a:t>Edit Master text styles</a:t>
+            </a:r>
+          </a:p>
+          <a:p>
+            <a:pPr lvl="1"/>
+            <a:r>
+              <a:rPr lang="en-US"/>
+              <a:t>Second level</a:t>
+            </a:r>
+          </a:p>
+          <a:p>
+            <a:pPr lvl="2"/>
+            <a:r>
+              <a:rPr lang="en-US"/>
+              <a:t>Third level</a:t>
+            </a:r>
+          </a:p>
+          <a:p>
+            <a:pPr lvl="3"/>
+            <a:r>
+              <a:rPr lang="en-US"/>
+              <a:t>Fourth level</a:t>
+            </a:r>
+          </a:p>
+          <a:p>
+            <a:pPr lvl="4"/>
+            <a:r>
+              <a:rPr lang="en-US"/>
+              <a:t>Fifth level</a:t>
+            </a:r>
+          </a:p>
+        </p:txBody>
+      </p:sp>
+      <p:sp>
+        <p:nvSpPr>
+          <p:cNvPr id="6" name="Footer Placeholder 5"/>
+          <p:cNvSpPr>
+            <a:spLocks noGrp="1"/>
+          </p:cNvSpPr>
+          <p:nvPr>
+            <p:ph type="ftr" sz="quarter" idx="4"/>
+          </p:nvPr>
+        </p:nvSpPr>
+        <p:spPr>
+          <a:xfrm>
+            <a:off x="0" y="8685213"/>
+            <a:ext cx="2971800" cy="458787"/>
+          </a:xfrm>
+          <a:prstGeom prst="rect">
+            <a:avLst/>
+          </a:prstGeom>
+        </p:spPr>
+        <p:txBody>
+          <a:bodyPr vert="horz" lIns="91440" tIns="45720" rIns="91440" bIns="45720" rtlCol="0" anchor="b"/>
+          <a:lstStyle>
+            <a:lvl1pPr algn="l">
+              <a:defRPr sz="1200"/>
+            </a:lvl1pPr>
+          </a:lstStyle>
+          <a:p>
+            <a:endParaRPr lang="en-US"/>
+          </a:p>
+        </p:txBody>
+      </p:sp>
+      <p:sp>
+        <p:nvSpPr>
+          <p:cNvPr id="7" name="Slide Number Placeholder 6"/>
+          <p:cNvSpPr>
+            <a:spLocks noGrp="1"/>
+          </p:cNvSpPr>
+          <p:nvPr>
+            <p:ph type="sldNum" sz="quarter" idx="5"/>
+          </p:nvPr>
+        </p:nvSpPr>
+        <p:spPr>
+          <a:xfrm>
+            <a:off x="3884613" y="8685213"/>
+            <a:ext cx="2971800" cy="458787"/>
+          </a:xfrm>
+          <a:prstGeom prst="rect">
+            <a:avLst/>
+          </a:prstGeom>
+        </p:spPr>
+        <p:txBody>
+          <a:bodyPr vert="horz" lIns="91440" tIns="45720" rIns="91440" bIns="45720" rtlCol="0" anchor="b"/>
+          <a:lstStyle>
+            <a:lvl1pPr algn="r">
+              <a:defRPr sz="1200"/>
+            </a:lvl1pPr>
+          </a:lstStyle>
+          <a:p>
+            <a:fld id="{0E667395-BD6F-B046-B9DF-53D3C9999B6F}" type="slidenum">
+              <a:rPr lang="en-US" smtClean="0"/>
+              <a:t>‹#›</a:t>
+            </a:fld>
+            <a:endParaRPr lang="en-US"/>
+          </a:p>
+        </p:txBody>
+      </p:sp>
+    </p:spTree>
+    <p:extLst>
+      <p:ext uri="{BB962C8B-B14F-4D97-AF65-F5344CB8AC3E}">
+        <p14:creationId xmlns:p14="http://schemas.microsoft.com/office/powerpoint/2010/main" val="3780882769"/>
+      </p:ext>
+    </p:extLst>
+  </p:cSld>
+  <p:clrMap bg1="lt1" tx1="dk1" bg2="lt2" tx2="dk2" accent1="accent1" accent2="accent2" accent3="accent3" accent4="accent4" accent5="accent5" accent6="accent6" hlink="hlink" folHlink="folHlink"/>
+  <p:notesStyle>
+    <a:lvl1pPr marL="0" algn="l" defTabSz="914400" rtl="0" eaLnBrk="1" latinLnBrk="0" hangingPunct="1">
+      <a:defRPr sz="1200" kern="1200">
+        <a:solidFill>
+          <a:schemeClr val="tx1"/>
+        </a:solidFill>
+        <a:latin typeface="+mn-lt"/>
+        <a:ea typeface="+mn-ea"/>
+        <a:cs typeface="+mn-cs"/>
+      </a:defRPr>
+    </a:lvl1pPr>
+    <a:lvl2pPr marL="457200" algn="l" defTabSz="914400" rtl="0" eaLnBrk="1" latinLnBrk="0" hangingPunct="1">
+      <a:defRPr sz="1200" kern="1200">
+        <a:solidFill>
+          <a:schemeClr val="tx1"/>
+        </a:solidFill>
+        <a:latin typeface="+mn-lt"/>
+        <a:ea typeface="+mn-ea"/>
+        <a:cs typeface="+mn-cs"/>
+      </a:defRPr>
+    </a:lvl2pPr>
+    <a:lvl3pPr marL="914400" algn="l" defTabSz="914400" rtl="0" eaLnBrk="1" latinLnBrk="0" hangingPunct="1">
+      <a:defRPr sz="1200" kern="1200">
+        <a:solidFill>
+          <a:schemeClr val="tx1"/>
+        </a:solidFill>
+        <a:latin typeface="+mn-lt"/>
+        <a:ea typeface="+mn-ea"/>
+        <a:cs typeface="+mn-cs"/>
+      </a:defRPr>
+    </a:lvl3pPr>
+    <a:lvl4pPr marL="1371600" algn="l" defTabSz="914400" rtl="0" eaLnBrk="1" latinLnBrk="0" hangingPunct="1">
+      <a:defRPr sz="1200" kern="1200">
+        <a:solidFill>
+          <a:schemeClr val="tx1"/>
+        </a:solidFill>
+        <a:latin typeface="+mn-lt"/>
+        <a:ea typeface="+mn-ea"/>
+        <a:cs typeface="+mn-cs"/>
+      </a:defRPr>
+    </a:lvl4pPr>
+    <a:lvl5pPr marL="1828800" algn="l" defTabSz="914400" rtl="0" eaLnBrk="1" latinLnBrk="0" hangingPunct="1">
+      <a:defRPr sz="1200" kern="1200">
+        <a:solidFill>
+          <a:schemeClr val="tx1"/>
+        </a:solidFill>
+        <a:latin typeface="+mn-lt"/>
+        <a:ea typeface="+mn-ea"/>
+        <a:cs typeface="+mn-cs"/>
+      </a:defRPr>
+    </a:lvl5pPr>
+    <a:lvl6pPr marL="2286000" algn="l" defTabSz="914400" rtl="0" eaLnBrk="1" latinLnBrk="0" hangingPunct="1">
+      <a:defRPr sz="1200" kern="1200">
+        <a:solidFill>
+          <a:schemeClr val="tx1"/>
+        </a:solidFill>
+        <a:latin typeface="+mn-lt"/>
+        <a:ea typeface="+mn-ea"/>
+        <a:cs typeface="+mn-cs"/>
+      </a:defRPr>
+    </a:lvl6pPr>
+    <a:lvl7pPr marL="2743200" algn="l" defTabSz="914400" rtl="0" eaLnBrk="1" latinLnBrk="0" hangingPunct="1">
+      <a:defRPr sz="1200" kern="1200">
+        <a:solidFill>
+          <a:schemeClr val="tx1"/>
+        </a:solidFill>
+        <a:latin typeface="+mn-lt"/>
+        <a:ea typeface="+mn-ea"/>
+        <a:cs typeface="+mn-cs"/>
+      </a:defRPr>
+    </a:lvl7pPr>
+    <a:lvl8pPr marL="3200400" algn="l" defTabSz="914400" rtl="0" eaLnBrk="1" latinLnBrk="0" hangingPunct="1">
+      <a:defRPr sz="1200" kern="1200">
+        <a:solidFill>
+          <a:schemeClr val="tx1"/>
+        </a:solidFill>
+        <a:latin typeface="+mn-lt"/>
+        <a:ea typeface="+mn-ea"/>
+        <a:cs typeface="+mn-cs"/>
+      </a:defRPr>
+    </a:lvl8pPr>
+    <a:lvl9pPr marL="3657600" algn="l" defTabSz="914400" rtl="0" eaLnBrk="1" latinLnBrk="0" hangingPunct="1">
+      <a:defRPr sz="1200" kern="1200">
+        <a:solidFill>
+          <a:schemeClr val="tx1"/>
+        </a:solidFill>
+        <a:latin typeface="+mn-lt"/>
+        <a:ea typeface="+mn-ea"/>
+        <a:cs typeface="+mn-cs"/>
+      </a:defRPr>
+    </a:lvl9pPr>
+  </p:notesStyle>
+</p:notesMaster>
 </file>
 
 <file path=ppt/slideLayouts/slideLayout1.xml><?xml version="1.0" encoding="utf-8"?>
@@ -881,9 +1233,9 @@
           <a:bodyPr/>
           <a:lstStyle/>
           <a:p>
-            <a:fld id="{48A87A34-81AB-432B-8DAE-1953F412C126}" type="datetimeFigureOut">
-              <a:rPr lang="en-US" smtClean="0"/>
-              <a:t>3/12/18</a:t>
+            <a:fld id="{951F6275-459C-4642-AB91-E1FBA7238237}" type="datetime1">
+              <a:rPr lang="en-GB" smtClean="0"/>
+              <a:t>20/04/2018</a:t>
             </a:fld>
             <a:endParaRPr lang="en-US" dirty="0"/>
           </a:p>
@@ -904,6 +1256,10 @@
           <a:bodyPr/>
           <a:lstStyle/>
           <a:p>
+            <a:r>
+              <a:rPr lang="en-US"/>
+              <a:t>© 2018 Matt Weeks, All Rights Reserved</a:t>
+            </a:r>
             <a:endParaRPr lang="en-US" dirty="0"/>
           </a:p>
         </p:txBody>
@@ -1132,10 +1488,9 @@
           <a:bodyPr/>
           <a:lstStyle/>
           <a:p>
-            <a:fld id="{48A87A34-81AB-432B-8DAE-1953F412C126}" type="datetimeFigureOut">
-              <a:rPr lang="en-US" smtClean="0"/>
-              <a:pPr/>
-              <a:t>3/12/18</a:t>
+            <a:fld id="{89E5FBCB-0182-7F4C-9A09-8082B3EEA1D1}" type="datetime1">
+              <a:rPr lang="en-GB" smtClean="0"/>
+              <a:t>20/04/2018</a:t>
             </a:fld>
             <a:endParaRPr lang="en-US" dirty="0"/>
           </a:p>
@@ -1156,6 +1511,10 @@
           <a:bodyPr/>
           <a:lstStyle/>
           <a:p>
+            <a:r>
+              <a:rPr lang="en-US"/>
+              <a:t>© 2018 Matt Weeks, All Rights Reserved</a:t>
+            </a:r>
             <a:endParaRPr lang="en-US" dirty="0"/>
           </a:p>
         </p:txBody>
@@ -1448,10 +1807,9 @@
           <a:bodyPr/>
           <a:lstStyle/>
           <a:p>
-            <a:fld id="{48A87A34-81AB-432B-8DAE-1953F412C126}" type="datetimeFigureOut">
-              <a:rPr lang="en-US" smtClean="0"/>
-              <a:pPr/>
-              <a:t>3/12/18</a:t>
+            <a:fld id="{E120793B-3FC2-634B-9308-A008145110F7}" type="datetime1">
+              <a:rPr lang="en-GB" smtClean="0"/>
+              <a:t>20/04/2018</a:t>
             </a:fld>
             <a:endParaRPr lang="en-US" dirty="0"/>
           </a:p>
@@ -1472,6 +1830,10 @@
           <a:bodyPr/>
           <a:lstStyle/>
           <a:p>
+            <a:r>
+              <a:rPr lang="en-US"/>
+              <a:t>© 2018 Matt Weeks, All Rights Reserved</a:t>
+            </a:r>
             <a:endParaRPr lang="en-US" dirty="0"/>
           </a:p>
         </p:txBody>
@@ -1783,10 +2145,9 @@
           <a:bodyPr/>
           <a:lstStyle/>
           <a:p>
-            <a:fld id="{48A87A34-81AB-432B-8DAE-1953F412C126}" type="datetimeFigureOut">
-              <a:rPr lang="en-US" smtClean="0"/>
-              <a:pPr/>
-              <a:t>3/12/18</a:t>
+            <a:fld id="{E10CBA03-B4BF-294B-A670-6C5F943AF4BA}" type="datetime1">
+              <a:rPr lang="en-GB" smtClean="0"/>
+              <a:t>20/04/2018</a:t>
             </a:fld>
             <a:endParaRPr lang="en-US" dirty="0"/>
           </a:p>
@@ -1807,6 +2168,10 @@
           <a:bodyPr/>
           <a:lstStyle/>
           <a:p>
+            <a:r>
+              <a:rPr lang="en-US"/>
+              <a:t>© 2018 Matt Weeks, All Rights Reserved</a:t>
+            </a:r>
             <a:endParaRPr lang="en-US" dirty="0"/>
           </a:p>
         </p:txBody>
@@ -2099,10 +2464,9 @@
           <a:bodyPr/>
           <a:lstStyle/>
           <a:p>
-            <a:fld id="{48A87A34-81AB-432B-8DAE-1953F412C126}" type="datetimeFigureOut">
-              <a:rPr lang="en-US" smtClean="0"/>
-              <a:pPr/>
-              <a:t>3/12/18</a:t>
+            <a:fld id="{DEA639A8-E8D4-1A42-AFD8-B5D34B97F6B3}" type="datetime1">
+              <a:rPr lang="en-GB" smtClean="0"/>
+              <a:t>20/04/2018</a:t>
             </a:fld>
             <a:endParaRPr lang="en-US" dirty="0"/>
           </a:p>
@@ -2123,6 +2487,10 @@
           <a:bodyPr/>
           <a:lstStyle/>
           <a:p>
+            <a:r>
+              <a:rPr lang="en-US"/>
+              <a:t>© 2018 Matt Weeks, All Rights Reserved</a:t>
+            </a:r>
             <a:endParaRPr lang="en-US" dirty="0"/>
           </a:p>
         </p:txBody>
@@ -2494,10 +2862,9 @@
           <a:bodyPr/>
           <a:lstStyle/>
           <a:p>
-            <a:fld id="{48A87A34-81AB-432B-8DAE-1953F412C126}" type="datetimeFigureOut">
-              <a:rPr lang="en-US" smtClean="0"/>
-              <a:pPr/>
-              <a:t>3/12/18</a:t>
+            <a:fld id="{DCC43FA9-4CF5-D048-B6DE-6D29070CBFF6}" type="datetime1">
+              <a:rPr lang="en-GB" smtClean="0"/>
+              <a:t>20/04/2018</a:t>
             </a:fld>
             <a:endParaRPr lang="en-US" dirty="0"/>
           </a:p>
@@ -2518,6 +2885,10 @@
           <a:bodyPr/>
           <a:lstStyle/>
           <a:p>
+            <a:r>
+              <a:rPr lang="en-US"/>
+              <a:t>© 2018 Matt Weeks, All Rights Reserved</a:t>
+            </a:r>
             <a:endParaRPr lang="en-US" dirty="0"/>
           </a:p>
         </p:txBody>
@@ -2666,9 +3037,9 @@
           <a:bodyPr/>
           <a:lstStyle/>
           <a:p>
-            <a:fld id="{48A87A34-81AB-432B-8DAE-1953F412C126}" type="datetimeFigureOut">
-              <a:rPr lang="en-US" smtClean="0"/>
-              <a:t>3/12/18</a:t>
+            <a:fld id="{0138B3D8-6EA9-1E47-B411-26BFC706A540}" type="datetime1">
+              <a:rPr lang="en-GB" smtClean="0"/>
+              <a:t>20/04/2018</a:t>
             </a:fld>
             <a:endParaRPr lang="en-US" dirty="0"/>
           </a:p>
@@ -2689,6 +3060,10 @@
           <a:bodyPr/>
           <a:lstStyle/>
           <a:p>
+            <a:r>
+              <a:rPr lang="en-US"/>
+              <a:t>© 2018 Matt Weeks, All Rights Reserved</a:t>
+            </a:r>
             <a:endParaRPr lang="en-US" dirty="0"/>
           </a:p>
         </p:txBody>
@@ -2846,9 +3221,9 @@
           <a:bodyPr/>
           <a:lstStyle/>
           <a:p>
-            <a:fld id="{48A87A34-81AB-432B-8DAE-1953F412C126}" type="datetimeFigureOut">
-              <a:rPr lang="en-US" smtClean="0"/>
-              <a:t>3/12/18</a:t>
+            <a:fld id="{548B3A1E-1850-4C4E-964E-CD2E07892E0A}" type="datetime1">
+              <a:rPr lang="en-GB" smtClean="0"/>
+              <a:t>20/04/2018</a:t>
             </a:fld>
             <a:endParaRPr lang="en-US" dirty="0"/>
           </a:p>
@@ -2869,6 +3244,10 @@
           <a:bodyPr/>
           <a:lstStyle/>
           <a:p>
+            <a:r>
+              <a:rPr lang="en-US"/>
+              <a:t>© 2018 Matt Weeks, All Rights Reserved</a:t>
+            </a:r>
             <a:endParaRPr lang="en-US" dirty="0"/>
           </a:p>
         </p:txBody>
@@ -3016,9 +3395,9 @@
           <a:bodyPr/>
           <a:lstStyle/>
           <a:p>
-            <a:fld id="{48A87A34-81AB-432B-8DAE-1953F412C126}" type="datetimeFigureOut">
-              <a:rPr lang="en-US" smtClean="0"/>
-              <a:t>3/12/18</a:t>
+            <a:fld id="{1735E8BE-593B-A64D-8EB1-8632741D0F39}" type="datetime1">
+              <a:rPr lang="en-GB" smtClean="0"/>
+              <a:t>20/04/2018</a:t>
             </a:fld>
             <a:endParaRPr lang="en-US" dirty="0"/>
           </a:p>
@@ -3039,6 +3418,10 @@
           <a:bodyPr/>
           <a:lstStyle/>
           <a:p>
+            <a:r>
+              <a:rPr lang="en-US"/>
+              <a:t>© 2018 Matt Weeks, All Rights Reserved</a:t>
+            </a:r>
             <a:endParaRPr lang="en-US" dirty="0"/>
           </a:p>
         </p:txBody>
@@ -3263,9 +3646,9 @@
           <a:bodyPr/>
           <a:lstStyle/>
           <a:p>
-            <a:fld id="{48A87A34-81AB-432B-8DAE-1953F412C126}" type="datetimeFigureOut">
-              <a:rPr lang="en-US" smtClean="0"/>
-              <a:t>3/12/18</a:t>
+            <a:fld id="{0372D4BC-6FC1-674C-A6D3-7D42832A046C}" type="datetime1">
+              <a:rPr lang="en-GB" smtClean="0"/>
+              <a:t>20/04/2018</a:t>
             </a:fld>
             <a:endParaRPr lang="en-US" dirty="0"/>
           </a:p>
@@ -3286,6 +3669,10 @@
           <a:bodyPr/>
           <a:lstStyle/>
           <a:p>
+            <a:r>
+              <a:rPr lang="en-US"/>
+              <a:t>© 2018 Matt Weeks, All Rights Reserved</a:t>
+            </a:r>
             <a:endParaRPr lang="en-US" dirty="0"/>
           </a:p>
         </p:txBody>
@@ -3495,9 +3882,9 @@
           <a:bodyPr/>
           <a:lstStyle/>
           <a:p>
-            <a:fld id="{48A87A34-81AB-432B-8DAE-1953F412C126}" type="datetimeFigureOut">
-              <a:rPr lang="en-US" smtClean="0"/>
-              <a:t>3/12/18</a:t>
+            <a:fld id="{5AA1BB60-136C-BD48-BA0F-4A03E3D6D692}" type="datetime1">
+              <a:rPr lang="en-GB" smtClean="0"/>
+              <a:t>20/04/2018</a:t>
             </a:fld>
             <a:endParaRPr lang="en-US" dirty="0"/>
           </a:p>
@@ -3518,6 +3905,10 @@
           <a:bodyPr/>
           <a:lstStyle/>
           <a:p>
+            <a:r>
+              <a:rPr lang="en-US"/>
+              <a:t>© 2018 Matt Weeks, All Rights Reserved</a:t>
+            </a:r>
             <a:endParaRPr lang="en-US" dirty="0"/>
           </a:p>
         </p:txBody>
@@ -3555,7 +3946,7 @@
   <p:clrMapOvr>
     <a:masterClrMapping/>
   </p:clrMapOvr>
-  <p:extLst>
+  <p:extLst mod="1">
     <p:ext uri="{DCECCB84-F9BA-43D5-87BE-67443E8EF086}">
       <p15:sldGuideLst xmlns:p15="http://schemas.microsoft.com/office/powerpoint/2012/main"/>
     </p:ext>
@@ -3874,9 +4265,9 @@
           <a:bodyPr/>
           <a:lstStyle/>
           <a:p>
-            <a:fld id="{48A87A34-81AB-432B-8DAE-1953F412C126}" type="datetimeFigureOut">
-              <a:rPr lang="en-US" smtClean="0"/>
-              <a:t>3/12/18</a:t>
+            <a:fld id="{7DB5956E-688B-F142-BB68-B741C9A5E61A}" type="datetime1">
+              <a:rPr lang="en-GB" smtClean="0"/>
+              <a:t>20/04/2018</a:t>
             </a:fld>
             <a:endParaRPr lang="en-US" dirty="0"/>
           </a:p>
@@ -3897,6 +4288,10 @@
           <a:bodyPr/>
           <a:lstStyle/>
           <a:p>
+            <a:r>
+              <a:rPr lang="en-US"/>
+              <a:t>© 2018 Matt Weeks, All Rights Reserved</a:t>
+            </a:r>
             <a:endParaRPr lang="en-US" dirty="0"/>
           </a:p>
         </p:txBody>
@@ -3934,7 +4329,7 @@
   <p:clrMapOvr>
     <a:masterClrMapping/>
   </p:clrMapOvr>
-  <p:extLst>
+  <p:extLst mod="1">
     <p:ext uri="{DCECCB84-F9BA-43D5-87BE-67443E8EF086}">
       <p15:sldGuideLst xmlns:p15="http://schemas.microsoft.com/office/powerpoint/2012/main"/>
     </p:ext>
@@ -4002,9 +4397,9 @@
           <a:bodyPr/>
           <a:lstStyle/>
           <a:p>
-            <a:fld id="{48A87A34-81AB-432B-8DAE-1953F412C126}" type="datetimeFigureOut">
-              <a:rPr lang="en-US" smtClean="0"/>
-              <a:t>3/12/18</a:t>
+            <a:fld id="{20BFFAF9-8214-9E4A-A3CE-F7E16F623A46}" type="datetime1">
+              <a:rPr lang="en-GB" smtClean="0"/>
+              <a:t>20/04/2018</a:t>
             </a:fld>
             <a:endParaRPr lang="en-US" dirty="0"/>
           </a:p>
@@ -4025,6 +4420,10 @@
           <a:bodyPr/>
           <a:lstStyle/>
           <a:p>
+            <a:r>
+              <a:rPr lang="en-US"/>
+              <a:t>© 2018 Matt Weeks, All Rights Reserved</a:t>
+            </a:r>
             <a:endParaRPr lang="en-US" dirty="0"/>
           </a:p>
         </p:txBody>
@@ -4097,9 +4496,9 @@
           <a:bodyPr/>
           <a:lstStyle/>
           <a:p>
-            <a:fld id="{48A87A34-81AB-432B-8DAE-1953F412C126}" type="datetimeFigureOut">
-              <a:rPr lang="en-US" smtClean="0"/>
-              <a:t>3/12/18</a:t>
+            <a:fld id="{D7F7E61B-04FE-044B-8EE2-F970A18BED03}" type="datetime1">
+              <a:rPr lang="en-GB" smtClean="0"/>
+              <a:t>20/04/2018</a:t>
             </a:fld>
             <a:endParaRPr lang="en-US" dirty="0"/>
           </a:p>
@@ -4120,6 +4519,10 @@
           <a:bodyPr/>
           <a:lstStyle/>
           <a:p>
+            <a:r>
+              <a:rPr lang="en-US"/>
+              <a:t>© 2018 Matt Weeks, All Rights Reserved</a:t>
+            </a:r>
             <a:endParaRPr lang="en-US" dirty="0"/>
           </a:p>
         </p:txBody>
@@ -4352,9 +4755,9 @@
           <a:bodyPr/>
           <a:lstStyle/>
           <a:p>
-            <a:fld id="{48A87A34-81AB-432B-8DAE-1953F412C126}" type="datetimeFigureOut">
-              <a:rPr lang="en-US" smtClean="0"/>
-              <a:t>3/12/18</a:t>
+            <a:fld id="{32007C8D-D763-5A42-8A9E-334772EB18BE}" type="datetime1">
+              <a:rPr lang="en-GB" smtClean="0"/>
+              <a:t>20/04/2018</a:t>
             </a:fld>
             <a:endParaRPr lang="en-US" dirty="0"/>
           </a:p>
@@ -4375,6 +4778,10 @@
           <a:bodyPr/>
           <a:lstStyle/>
           <a:p>
+            <a:r>
+              <a:rPr lang="en-US"/>
+              <a:t>© 2018 Matt Weeks, All Rights Reserved</a:t>
+            </a:r>
             <a:endParaRPr lang="en-US" dirty="0"/>
           </a:p>
         </p:txBody>
@@ -4412,7 +4819,7 @@
   <p:clrMapOvr>
     <a:masterClrMapping/>
   </p:clrMapOvr>
-  <p:extLst>
+  <p:extLst mod="1">
     <p:ext uri="{DCECCB84-F9BA-43D5-87BE-67443E8EF086}">
       <p15:sldGuideLst xmlns:p15="http://schemas.microsoft.com/office/powerpoint/2012/main"/>
     </p:ext>
@@ -4620,6 +5027,10 @@
           <a:bodyPr/>
           <a:lstStyle/>
           <a:p>
+            <a:r>
+              <a:rPr lang="en-US"/>
+              <a:t>© 2018 Matt Weeks, All Rights Reserved</a:t>
+            </a:r>
             <a:endParaRPr lang="en-US" dirty="0"/>
           </a:p>
         </p:txBody>
@@ -4662,9 +5073,9 @@
           <a:bodyPr/>
           <a:lstStyle/>
           <a:p>
-            <a:fld id="{48A87A34-81AB-432B-8DAE-1953F412C126}" type="datetimeFigureOut">
-              <a:rPr lang="en-US" smtClean="0"/>
-              <a:t>3/12/18</a:t>
+            <a:fld id="{F8FEE07F-A58E-514E-B845-EA9DD07FE4E2}" type="datetime1">
+              <a:rPr lang="en-GB" smtClean="0"/>
+              <a:t>20/04/2018</a:t>
             </a:fld>
             <a:endParaRPr lang="en-US" dirty="0"/>
           </a:p>
@@ -5364,10 +5775,9 @@
             </a:lvl1pPr>
           </a:lstStyle>
           <a:p>
-            <a:fld id="{48A87A34-81AB-432B-8DAE-1953F412C126}" type="datetimeFigureOut">
-              <a:rPr lang="en-US" smtClean="0"/>
-              <a:pPr/>
-              <a:t>3/12/18</a:t>
+            <a:fld id="{EBAF1C5B-FEC4-854C-89CC-B640C6463303}" type="datetime1">
+              <a:rPr lang="en-GB" smtClean="0"/>
+              <a:t>20/04/2018</a:t>
             </a:fld>
             <a:endParaRPr lang="en-US" dirty="0"/>
           </a:p>
@@ -5406,6 +5816,10 @@
             </a:lvl1pPr>
           </a:lstStyle>
           <a:p>
+            <a:r>
+              <a:rPr lang="en-US"/>
+              <a:t>© 2018 Matt Weeks, All Rights Reserved</a:t>
+            </a:r>
             <a:endParaRPr lang="en-US" dirty="0"/>
           </a:p>
         </p:txBody>
@@ -5476,6 +5890,7 @@
     <p:sldLayoutId id="2147484038" r:id="rId15"/>
     <p:sldLayoutId id="2147484039" r:id="rId16"/>
   </p:sldLayoutIdLst>
+  <p:hf sldNum="0" hdr="0" dt="0"/>
   <p:txStyles>
     <p:titleStyle>
       <a:lvl1pPr algn="l" defTabSz="457200" rtl="0" eaLnBrk="1" latinLnBrk="0" hangingPunct="1">
@@ -5872,7 +6287,7 @@
       </a:lvl9pPr>
     </p:otherStyle>
   </p:txStyles>
-  <p:extLst>
+  <p:extLst mod="1">
     <p:ext uri="{27BBF7A9-308A-43DC-89C8-2F10F3537804}">
       <p15:sldGuideLst xmlns:p15="http://schemas.microsoft.com/office/powerpoint/2012/main"/>
     </p:ext>
@@ -5951,6 +6366,38 @@
             <a:r>
               <a:rPr lang="en-US" dirty="0"/>
               <a:t>Lesson 1 – Introduction and basics - Matt weeks</a:t>
+            </a:r>
+          </a:p>
+        </p:txBody>
+      </p:sp>
+      <p:sp>
+        <p:nvSpPr>
+          <p:cNvPr id="4" name="Footer Placeholder 3">
+            <a:extLst>
+              <a:ext uri="{FF2B5EF4-FFF2-40B4-BE49-F238E27FC236}">
+                <a16:creationId xmlns:a16="http://schemas.microsoft.com/office/drawing/2014/main" id="{5096A5FB-4DC8-DE41-BE20-76D99E8F5686}"/>
+              </a:ext>
+            </a:extLst>
+          </p:cNvPr>
+          <p:cNvSpPr>
+            <a:spLocks noGrp="1"/>
+          </p:cNvSpPr>
+          <p:nvPr>
+            <p:ph type="ftr" sz="quarter" idx="11"/>
+          </p:nvPr>
+        </p:nvSpPr>
+        <p:spPr/>
+        <p:txBody>
+          <a:bodyPr/>
+          <a:lstStyle/>
+          <a:p>
+            <a:r>
+              <a:rPr lang="en-GB" i="1" dirty="0"/>
+              <a:t>© 2018</a:t>
+            </a:r>
+            <a:r>
+              <a:rPr lang="en-US" dirty="0"/>
+              <a:t> Matt Weeks, All Rights Reserved</a:t>
             </a:r>
           </a:p>
         </p:txBody>
@@ -6115,6 +6562,35 @@
           </a:p>
         </p:txBody>
       </p:sp>
+      <p:sp>
+        <p:nvSpPr>
+          <p:cNvPr id="4" name="Footer Placeholder 3">
+            <a:extLst>
+              <a:ext uri="{FF2B5EF4-FFF2-40B4-BE49-F238E27FC236}">
+                <a16:creationId xmlns:a16="http://schemas.microsoft.com/office/drawing/2014/main" id="{EB0481B0-F035-DC46-A78A-06CAF2451C14}"/>
+              </a:ext>
+            </a:extLst>
+          </p:cNvPr>
+          <p:cNvSpPr>
+            <a:spLocks noGrp="1"/>
+          </p:cNvSpPr>
+          <p:nvPr>
+            <p:ph type="ftr" sz="quarter" idx="11"/>
+          </p:nvPr>
+        </p:nvSpPr>
+        <p:spPr/>
+        <p:txBody>
+          <a:bodyPr/>
+          <a:lstStyle/>
+          <a:p>
+            <a:r>
+              <a:rPr lang="en-US"/>
+              <a:t>© 2018 Matt Weeks, All Rights Reserved</a:t>
+            </a:r>
+            <a:endParaRPr lang="en-US" dirty="0"/>
+          </a:p>
+        </p:txBody>
+      </p:sp>
     </p:spTree>
     <p:extLst>
       <p:ext uri="{BB962C8B-B14F-4D97-AF65-F5344CB8AC3E}">
@@ -6222,6 +6698,35 @@
           </a:p>
         </p:txBody>
       </p:sp>
+      <p:sp>
+        <p:nvSpPr>
+          <p:cNvPr id="4" name="Footer Placeholder 3">
+            <a:extLst>
+              <a:ext uri="{FF2B5EF4-FFF2-40B4-BE49-F238E27FC236}">
+                <a16:creationId xmlns:a16="http://schemas.microsoft.com/office/drawing/2014/main" id="{5FBA40C5-7511-5046-86FD-C11BF734D10B}"/>
+              </a:ext>
+            </a:extLst>
+          </p:cNvPr>
+          <p:cNvSpPr>
+            <a:spLocks noGrp="1"/>
+          </p:cNvSpPr>
+          <p:nvPr>
+            <p:ph type="ftr" sz="quarter" idx="11"/>
+          </p:nvPr>
+        </p:nvSpPr>
+        <p:spPr/>
+        <p:txBody>
+          <a:bodyPr/>
+          <a:lstStyle/>
+          <a:p>
+            <a:r>
+              <a:rPr lang="en-US"/>
+              <a:t>© 2018 Matt Weeks, All Rights Reserved</a:t>
+            </a:r>
+            <a:endParaRPr lang="en-US" dirty="0"/>
+          </a:p>
+        </p:txBody>
+      </p:sp>
     </p:spTree>
     <p:extLst>
       <p:ext uri="{BB962C8B-B14F-4D97-AF65-F5344CB8AC3E}">
@@ -6462,6 +6967,35 @@
           </a:p>
         </p:txBody>
       </p:sp>
+      <p:sp>
+        <p:nvSpPr>
+          <p:cNvPr id="4" name="Footer Placeholder 3">
+            <a:extLst>
+              <a:ext uri="{FF2B5EF4-FFF2-40B4-BE49-F238E27FC236}">
+                <a16:creationId xmlns:a16="http://schemas.microsoft.com/office/drawing/2014/main" id="{1C743B80-F3E7-9D4F-8473-BE436C35C82A}"/>
+              </a:ext>
+            </a:extLst>
+          </p:cNvPr>
+          <p:cNvSpPr>
+            <a:spLocks noGrp="1"/>
+          </p:cNvSpPr>
+          <p:nvPr>
+            <p:ph type="ftr" sz="quarter" idx="11"/>
+          </p:nvPr>
+        </p:nvSpPr>
+        <p:spPr/>
+        <p:txBody>
+          <a:bodyPr/>
+          <a:lstStyle/>
+          <a:p>
+            <a:r>
+              <a:rPr lang="en-US"/>
+              <a:t>© 2018 Matt Weeks, All Rights Reserved</a:t>
+            </a:r>
+            <a:endParaRPr lang="en-US" dirty="0"/>
+          </a:p>
+        </p:txBody>
+      </p:sp>
     </p:spTree>
     <p:extLst>
       <p:ext uri="{BB962C8B-B14F-4D97-AF65-F5344CB8AC3E}">
@@ -6562,6 +7096,35 @@
           </a:p>
         </p:txBody>
       </p:sp>
+      <p:sp>
+        <p:nvSpPr>
+          <p:cNvPr id="4" name="Footer Placeholder 3">
+            <a:extLst>
+              <a:ext uri="{FF2B5EF4-FFF2-40B4-BE49-F238E27FC236}">
+                <a16:creationId xmlns:a16="http://schemas.microsoft.com/office/drawing/2014/main" id="{04DBF06E-40A3-624D-A13E-90E27F521312}"/>
+              </a:ext>
+            </a:extLst>
+          </p:cNvPr>
+          <p:cNvSpPr>
+            <a:spLocks noGrp="1"/>
+          </p:cNvSpPr>
+          <p:nvPr>
+            <p:ph type="ftr" sz="quarter" idx="11"/>
+          </p:nvPr>
+        </p:nvSpPr>
+        <p:spPr/>
+        <p:txBody>
+          <a:bodyPr/>
+          <a:lstStyle/>
+          <a:p>
+            <a:r>
+              <a:rPr lang="en-US"/>
+              <a:t>© 2018 Matt Weeks, All Rights Reserved</a:t>
+            </a:r>
+            <a:endParaRPr lang="en-US" dirty="0"/>
+          </a:p>
+        </p:txBody>
+      </p:sp>
     </p:spTree>
     <p:extLst>
       <p:ext uri="{BB962C8B-B14F-4D97-AF65-F5344CB8AC3E}">
@@ -6712,6 +7275,35 @@
           </a:p>
         </p:txBody>
       </p:sp>
+      <p:sp>
+        <p:nvSpPr>
+          <p:cNvPr id="4" name="Footer Placeholder 3">
+            <a:extLst>
+              <a:ext uri="{FF2B5EF4-FFF2-40B4-BE49-F238E27FC236}">
+                <a16:creationId xmlns:a16="http://schemas.microsoft.com/office/drawing/2014/main" id="{D38A6758-A731-D44D-8C68-15D74C773138}"/>
+              </a:ext>
+            </a:extLst>
+          </p:cNvPr>
+          <p:cNvSpPr>
+            <a:spLocks noGrp="1"/>
+          </p:cNvSpPr>
+          <p:nvPr>
+            <p:ph type="ftr" sz="quarter" idx="11"/>
+          </p:nvPr>
+        </p:nvSpPr>
+        <p:spPr/>
+        <p:txBody>
+          <a:bodyPr/>
+          <a:lstStyle/>
+          <a:p>
+            <a:r>
+              <a:rPr lang="en-US"/>
+              <a:t>© 2018 Matt Weeks, All Rights Reserved</a:t>
+            </a:r>
+            <a:endParaRPr lang="en-US" dirty="0"/>
+          </a:p>
+        </p:txBody>
+      </p:sp>
     </p:spTree>
     <p:extLst>
       <p:ext uri="{BB962C8B-B14F-4D97-AF65-F5344CB8AC3E}">
@@ -6820,6 +7412,35 @@
           </a:p>
         </p:txBody>
       </p:sp>
+      <p:sp>
+        <p:nvSpPr>
+          <p:cNvPr id="4" name="Footer Placeholder 3">
+            <a:extLst>
+              <a:ext uri="{FF2B5EF4-FFF2-40B4-BE49-F238E27FC236}">
+                <a16:creationId xmlns:a16="http://schemas.microsoft.com/office/drawing/2014/main" id="{61546506-7EEE-F046-9EDC-AC78CD9D03AF}"/>
+              </a:ext>
+            </a:extLst>
+          </p:cNvPr>
+          <p:cNvSpPr>
+            <a:spLocks noGrp="1"/>
+          </p:cNvSpPr>
+          <p:nvPr>
+            <p:ph type="ftr" sz="quarter" idx="11"/>
+          </p:nvPr>
+        </p:nvSpPr>
+        <p:spPr/>
+        <p:txBody>
+          <a:bodyPr/>
+          <a:lstStyle/>
+          <a:p>
+            <a:r>
+              <a:rPr lang="en-US"/>
+              <a:t>© 2018 Matt Weeks, All Rights Reserved</a:t>
+            </a:r>
+            <a:endParaRPr lang="en-US" dirty="0"/>
+          </a:p>
+        </p:txBody>
+      </p:sp>
     </p:spTree>
     <p:extLst>
       <p:ext uri="{BB962C8B-B14F-4D97-AF65-F5344CB8AC3E}">
@@ -6970,6 +7591,35 @@
           </a:p>
         </p:txBody>
       </p:sp>
+      <p:sp>
+        <p:nvSpPr>
+          <p:cNvPr id="4" name="Footer Placeholder 3">
+            <a:extLst>
+              <a:ext uri="{FF2B5EF4-FFF2-40B4-BE49-F238E27FC236}">
+                <a16:creationId xmlns:a16="http://schemas.microsoft.com/office/drawing/2014/main" id="{7C78EE2E-0B57-3245-B3F9-2755C11F9A6D}"/>
+              </a:ext>
+            </a:extLst>
+          </p:cNvPr>
+          <p:cNvSpPr>
+            <a:spLocks noGrp="1"/>
+          </p:cNvSpPr>
+          <p:nvPr>
+            <p:ph type="ftr" sz="quarter" idx="11"/>
+          </p:nvPr>
+        </p:nvSpPr>
+        <p:spPr/>
+        <p:txBody>
+          <a:bodyPr/>
+          <a:lstStyle/>
+          <a:p>
+            <a:r>
+              <a:rPr lang="en-US"/>
+              <a:t>© 2018 Matt Weeks, All Rights Reserved</a:t>
+            </a:r>
+            <a:endParaRPr lang="en-US" dirty="0"/>
+          </a:p>
+        </p:txBody>
+      </p:sp>
     </p:spTree>
     <p:extLst>
       <p:ext uri="{BB962C8B-B14F-4D97-AF65-F5344CB8AC3E}">
@@ -7140,6 +7790,35 @@
           </a:p>
         </p:txBody>
       </p:sp>
+      <p:sp>
+        <p:nvSpPr>
+          <p:cNvPr id="4" name="Footer Placeholder 3">
+            <a:extLst>
+              <a:ext uri="{FF2B5EF4-FFF2-40B4-BE49-F238E27FC236}">
+                <a16:creationId xmlns:a16="http://schemas.microsoft.com/office/drawing/2014/main" id="{DEEA27FA-8698-2049-B7DF-7A3AB0E573CC}"/>
+              </a:ext>
+            </a:extLst>
+          </p:cNvPr>
+          <p:cNvSpPr>
+            <a:spLocks noGrp="1"/>
+          </p:cNvSpPr>
+          <p:nvPr>
+            <p:ph type="ftr" sz="quarter" idx="11"/>
+          </p:nvPr>
+        </p:nvSpPr>
+        <p:spPr/>
+        <p:txBody>
+          <a:bodyPr/>
+          <a:lstStyle/>
+          <a:p>
+            <a:r>
+              <a:rPr lang="en-US"/>
+              <a:t>© 2018 Matt Weeks, All Rights Reserved</a:t>
+            </a:r>
+            <a:endParaRPr lang="en-US" dirty="0"/>
+          </a:p>
+        </p:txBody>
+      </p:sp>
     </p:spTree>
     <p:extLst>
       <p:ext uri="{BB962C8B-B14F-4D97-AF65-F5344CB8AC3E}">
@@ -7278,6 +7957,35 @@
           </a:p>
         </p:txBody>
       </p:sp>
+      <p:sp>
+        <p:nvSpPr>
+          <p:cNvPr id="4" name="Footer Placeholder 3">
+            <a:extLst>
+              <a:ext uri="{FF2B5EF4-FFF2-40B4-BE49-F238E27FC236}">
+                <a16:creationId xmlns:a16="http://schemas.microsoft.com/office/drawing/2014/main" id="{69A9E717-3A70-994E-B053-1EFE1C84D62A}"/>
+              </a:ext>
+            </a:extLst>
+          </p:cNvPr>
+          <p:cNvSpPr>
+            <a:spLocks noGrp="1"/>
+          </p:cNvSpPr>
+          <p:nvPr>
+            <p:ph type="ftr" sz="quarter" idx="11"/>
+          </p:nvPr>
+        </p:nvSpPr>
+        <p:spPr/>
+        <p:txBody>
+          <a:bodyPr/>
+          <a:lstStyle/>
+          <a:p>
+            <a:r>
+              <a:rPr lang="en-US"/>
+              <a:t>© 2018 Matt Weeks, All Rights Reserved</a:t>
+            </a:r>
+            <a:endParaRPr lang="en-US" dirty="0"/>
+          </a:p>
+        </p:txBody>
+      </p:sp>
     </p:spTree>
     <p:extLst>
       <p:ext uri="{BB962C8B-B14F-4D97-AF65-F5344CB8AC3E}">
@@ -7412,6 +8120,35 @@
           </a:p>
         </p:txBody>
       </p:sp>
+      <p:sp>
+        <p:nvSpPr>
+          <p:cNvPr id="4" name="Footer Placeholder 3">
+            <a:extLst>
+              <a:ext uri="{FF2B5EF4-FFF2-40B4-BE49-F238E27FC236}">
+                <a16:creationId xmlns:a16="http://schemas.microsoft.com/office/drawing/2014/main" id="{06AA20B8-D5B4-7E4E-AA6A-8EA2AAFEFF96}"/>
+              </a:ext>
+            </a:extLst>
+          </p:cNvPr>
+          <p:cNvSpPr>
+            <a:spLocks noGrp="1"/>
+          </p:cNvSpPr>
+          <p:nvPr>
+            <p:ph type="ftr" sz="quarter" idx="11"/>
+          </p:nvPr>
+        </p:nvSpPr>
+        <p:spPr/>
+        <p:txBody>
+          <a:bodyPr/>
+          <a:lstStyle/>
+          <a:p>
+            <a:r>
+              <a:rPr lang="en-US"/>
+              <a:t>© 2018 Matt Weeks, All Rights Reserved</a:t>
+            </a:r>
+            <a:endParaRPr lang="en-US" dirty="0"/>
+          </a:p>
+        </p:txBody>
+      </p:sp>
     </p:spTree>
     <p:extLst>
       <p:ext uri="{BB962C8B-B14F-4D97-AF65-F5344CB8AC3E}">
@@ -7519,6 +8256,35 @@
           </a:p>
         </p:txBody>
       </p:sp>
+      <p:sp>
+        <p:nvSpPr>
+          <p:cNvPr id="4" name="Footer Placeholder 3">
+            <a:extLst>
+              <a:ext uri="{FF2B5EF4-FFF2-40B4-BE49-F238E27FC236}">
+                <a16:creationId xmlns:a16="http://schemas.microsoft.com/office/drawing/2014/main" id="{B30F5407-41DB-C449-A76A-62A75AC66784}"/>
+              </a:ext>
+            </a:extLst>
+          </p:cNvPr>
+          <p:cNvSpPr>
+            <a:spLocks noGrp="1"/>
+          </p:cNvSpPr>
+          <p:nvPr>
+            <p:ph type="ftr" sz="quarter" idx="11"/>
+          </p:nvPr>
+        </p:nvSpPr>
+        <p:spPr/>
+        <p:txBody>
+          <a:bodyPr/>
+          <a:lstStyle/>
+          <a:p>
+            <a:r>
+              <a:rPr lang="en-US"/>
+              <a:t>© 2018 Matt Weeks, All Rights Reserved</a:t>
+            </a:r>
+            <a:endParaRPr lang="en-US" dirty="0"/>
+          </a:p>
+        </p:txBody>
+      </p:sp>
     </p:spTree>
     <p:extLst>
       <p:ext uri="{BB962C8B-B14F-4D97-AF65-F5344CB8AC3E}">
@@ -7637,6 +8403,35 @@
           </a:p>
         </p:txBody>
       </p:sp>
+      <p:sp>
+        <p:nvSpPr>
+          <p:cNvPr id="4" name="Footer Placeholder 3">
+            <a:extLst>
+              <a:ext uri="{FF2B5EF4-FFF2-40B4-BE49-F238E27FC236}">
+                <a16:creationId xmlns:a16="http://schemas.microsoft.com/office/drawing/2014/main" id="{A3D81FAB-3DCF-6244-9588-D90F44C35646}"/>
+              </a:ext>
+            </a:extLst>
+          </p:cNvPr>
+          <p:cNvSpPr>
+            <a:spLocks noGrp="1"/>
+          </p:cNvSpPr>
+          <p:nvPr>
+            <p:ph type="ftr" sz="quarter" idx="11"/>
+          </p:nvPr>
+        </p:nvSpPr>
+        <p:spPr/>
+        <p:txBody>
+          <a:bodyPr/>
+          <a:lstStyle/>
+          <a:p>
+            <a:r>
+              <a:rPr lang="en-US"/>
+              <a:t>© 2018 Matt Weeks, All Rights Reserved</a:t>
+            </a:r>
+            <a:endParaRPr lang="en-US" dirty="0"/>
+          </a:p>
+        </p:txBody>
+      </p:sp>
     </p:spTree>
     <p:extLst>
       <p:ext uri="{BB962C8B-B14F-4D97-AF65-F5344CB8AC3E}">
@@ -7753,6 +8548,35 @@
           </a:p>
         </p:txBody>
       </p:sp>
+      <p:sp>
+        <p:nvSpPr>
+          <p:cNvPr id="4" name="Footer Placeholder 3">
+            <a:extLst>
+              <a:ext uri="{FF2B5EF4-FFF2-40B4-BE49-F238E27FC236}">
+                <a16:creationId xmlns:a16="http://schemas.microsoft.com/office/drawing/2014/main" id="{408279B9-A5F3-E745-AF04-320C541E6182}"/>
+              </a:ext>
+            </a:extLst>
+          </p:cNvPr>
+          <p:cNvSpPr>
+            <a:spLocks noGrp="1"/>
+          </p:cNvSpPr>
+          <p:nvPr>
+            <p:ph type="ftr" sz="quarter" idx="11"/>
+          </p:nvPr>
+        </p:nvSpPr>
+        <p:spPr/>
+        <p:txBody>
+          <a:bodyPr/>
+          <a:lstStyle/>
+          <a:p>
+            <a:r>
+              <a:rPr lang="en-US"/>
+              <a:t>© 2018 Matt Weeks, All Rights Reserved</a:t>
+            </a:r>
+            <a:endParaRPr lang="en-US" dirty="0"/>
+          </a:p>
+        </p:txBody>
+      </p:sp>
     </p:spTree>
     <p:extLst>
       <p:ext uri="{BB962C8B-B14F-4D97-AF65-F5344CB8AC3E}">
@@ -7864,6 +8688,35 @@
               <a:rPr lang="en-US" dirty="0"/>
               <a:t>!a // logical NOT</a:t>
             </a:r>
+          </a:p>
+        </p:txBody>
+      </p:sp>
+      <p:sp>
+        <p:nvSpPr>
+          <p:cNvPr id="4" name="Footer Placeholder 3">
+            <a:extLst>
+              <a:ext uri="{FF2B5EF4-FFF2-40B4-BE49-F238E27FC236}">
+                <a16:creationId xmlns:a16="http://schemas.microsoft.com/office/drawing/2014/main" id="{8D8443FD-2521-724B-B8C1-1B86D8136A5E}"/>
+              </a:ext>
+            </a:extLst>
+          </p:cNvPr>
+          <p:cNvSpPr>
+            <a:spLocks noGrp="1"/>
+          </p:cNvSpPr>
+          <p:nvPr>
+            <p:ph type="ftr" sz="quarter" idx="11"/>
+          </p:nvPr>
+        </p:nvSpPr>
+        <p:spPr/>
+        <p:txBody>
+          <a:bodyPr/>
+          <a:lstStyle/>
+          <a:p>
+            <a:r>
+              <a:rPr lang="en-US"/>
+              <a:t>© 2018 Matt Weeks, All Rights Reserved</a:t>
+            </a:r>
+            <a:endParaRPr lang="en-US" dirty="0"/>
           </a:p>
         </p:txBody>
       </p:sp>
@@ -8213,6 +9066,35 @@
           </a:graphicData>
         </a:graphic>
       </p:graphicFrame>
+      <p:sp>
+        <p:nvSpPr>
+          <p:cNvPr id="3" name="Footer Placeholder 2">
+            <a:extLst>
+              <a:ext uri="{FF2B5EF4-FFF2-40B4-BE49-F238E27FC236}">
+                <a16:creationId xmlns:a16="http://schemas.microsoft.com/office/drawing/2014/main" id="{67AF8D62-A79C-5C49-95BC-FC9CFF80E211}"/>
+              </a:ext>
+            </a:extLst>
+          </p:cNvPr>
+          <p:cNvSpPr>
+            <a:spLocks noGrp="1"/>
+          </p:cNvSpPr>
+          <p:nvPr>
+            <p:ph type="ftr" sz="quarter" idx="11"/>
+          </p:nvPr>
+        </p:nvSpPr>
+        <p:spPr/>
+        <p:txBody>
+          <a:bodyPr/>
+          <a:lstStyle/>
+          <a:p>
+            <a:r>
+              <a:rPr lang="en-US"/>
+              <a:t>© 2018 Matt Weeks, All Rights Reserved</a:t>
+            </a:r>
+            <a:endParaRPr lang="en-US" dirty="0"/>
+          </a:p>
+        </p:txBody>
+      </p:sp>
     </p:spTree>
     <p:extLst>
       <p:ext uri="{BB962C8B-B14F-4D97-AF65-F5344CB8AC3E}">
@@ -8554,6 +9436,35 @@
           </a:graphicData>
         </a:graphic>
       </p:graphicFrame>
+      <p:sp>
+        <p:nvSpPr>
+          <p:cNvPr id="3" name="Footer Placeholder 2">
+            <a:extLst>
+              <a:ext uri="{FF2B5EF4-FFF2-40B4-BE49-F238E27FC236}">
+                <a16:creationId xmlns:a16="http://schemas.microsoft.com/office/drawing/2014/main" id="{9D301570-E591-D942-934D-5B9E4103B851}"/>
+              </a:ext>
+            </a:extLst>
+          </p:cNvPr>
+          <p:cNvSpPr>
+            <a:spLocks noGrp="1"/>
+          </p:cNvSpPr>
+          <p:nvPr>
+            <p:ph type="ftr" sz="quarter" idx="11"/>
+          </p:nvPr>
+        </p:nvSpPr>
+        <p:spPr/>
+        <p:txBody>
+          <a:bodyPr/>
+          <a:lstStyle/>
+          <a:p>
+            <a:r>
+              <a:rPr lang="en-US"/>
+              <a:t>© 2018 Matt Weeks, All Rights Reserved</a:t>
+            </a:r>
+            <a:endParaRPr lang="en-US" dirty="0"/>
+          </a:p>
+        </p:txBody>
+      </p:sp>
     </p:spTree>
     <p:extLst>
       <p:ext uri="{BB962C8B-B14F-4D97-AF65-F5344CB8AC3E}">
@@ -8900,6 +9811,35 @@
           </a:graphicData>
         </a:graphic>
       </p:graphicFrame>
+      <p:sp>
+        <p:nvSpPr>
+          <p:cNvPr id="3" name="Footer Placeholder 2">
+            <a:extLst>
+              <a:ext uri="{FF2B5EF4-FFF2-40B4-BE49-F238E27FC236}">
+                <a16:creationId xmlns:a16="http://schemas.microsoft.com/office/drawing/2014/main" id="{4D6DCEAE-0C03-3846-B05F-E840D19D750F}"/>
+              </a:ext>
+            </a:extLst>
+          </p:cNvPr>
+          <p:cNvSpPr>
+            <a:spLocks noGrp="1"/>
+          </p:cNvSpPr>
+          <p:nvPr>
+            <p:ph type="ftr" sz="quarter" idx="11"/>
+          </p:nvPr>
+        </p:nvSpPr>
+        <p:spPr/>
+        <p:txBody>
+          <a:bodyPr/>
+          <a:lstStyle/>
+          <a:p>
+            <a:r>
+              <a:rPr lang="en-US"/>
+              <a:t>© 2018 Matt Weeks, All Rights Reserved</a:t>
+            </a:r>
+            <a:endParaRPr lang="en-US" dirty="0"/>
+          </a:p>
+        </p:txBody>
+      </p:sp>
     </p:spTree>
     <p:extLst>
       <p:ext uri="{BB962C8B-B14F-4D97-AF65-F5344CB8AC3E}">
@@ -9108,6 +10048,35 @@
           </a:graphicData>
         </a:graphic>
       </p:graphicFrame>
+      <p:sp>
+        <p:nvSpPr>
+          <p:cNvPr id="3" name="Footer Placeholder 2">
+            <a:extLst>
+              <a:ext uri="{FF2B5EF4-FFF2-40B4-BE49-F238E27FC236}">
+                <a16:creationId xmlns:a16="http://schemas.microsoft.com/office/drawing/2014/main" id="{559693C6-32A5-DF46-9D70-C3718B21D695}"/>
+              </a:ext>
+            </a:extLst>
+          </p:cNvPr>
+          <p:cNvSpPr>
+            <a:spLocks noGrp="1"/>
+          </p:cNvSpPr>
+          <p:nvPr>
+            <p:ph type="ftr" sz="quarter" idx="11"/>
+          </p:nvPr>
+        </p:nvSpPr>
+        <p:spPr/>
+        <p:txBody>
+          <a:bodyPr/>
+          <a:lstStyle/>
+          <a:p>
+            <a:r>
+              <a:rPr lang="en-US"/>
+              <a:t>© 2018 Matt Weeks, All Rights Reserved</a:t>
+            </a:r>
+            <a:endParaRPr lang="en-US" dirty="0"/>
+          </a:p>
+        </p:txBody>
+      </p:sp>
     </p:spTree>
     <p:extLst>
       <p:ext uri="{BB962C8B-B14F-4D97-AF65-F5344CB8AC3E}">
@@ -9241,6 +10210,35 @@
           </a:p>
         </p:txBody>
       </p:sp>
+      <p:sp>
+        <p:nvSpPr>
+          <p:cNvPr id="4" name="Footer Placeholder 3">
+            <a:extLst>
+              <a:ext uri="{FF2B5EF4-FFF2-40B4-BE49-F238E27FC236}">
+                <a16:creationId xmlns:a16="http://schemas.microsoft.com/office/drawing/2014/main" id="{FB65F80A-5F56-224E-9B59-5ED647203990}"/>
+              </a:ext>
+            </a:extLst>
+          </p:cNvPr>
+          <p:cNvSpPr>
+            <a:spLocks noGrp="1"/>
+          </p:cNvSpPr>
+          <p:nvPr>
+            <p:ph type="ftr" sz="quarter" idx="11"/>
+          </p:nvPr>
+        </p:nvSpPr>
+        <p:spPr/>
+        <p:txBody>
+          <a:bodyPr/>
+          <a:lstStyle/>
+          <a:p>
+            <a:r>
+              <a:rPr lang="en-US"/>
+              <a:t>© 2018 Matt Weeks, All Rights Reserved</a:t>
+            </a:r>
+            <a:endParaRPr lang="en-US" dirty="0"/>
+          </a:p>
+        </p:txBody>
+      </p:sp>
     </p:spTree>
     <p:extLst>
       <p:ext uri="{BB962C8B-B14F-4D97-AF65-F5344CB8AC3E}">
@@ -9409,6 +10407,35 @@
           </a:p>
         </p:txBody>
       </p:sp>
+      <p:sp>
+        <p:nvSpPr>
+          <p:cNvPr id="4" name="Footer Placeholder 3">
+            <a:extLst>
+              <a:ext uri="{FF2B5EF4-FFF2-40B4-BE49-F238E27FC236}">
+                <a16:creationId xmlns:a16="http://schemas.microsoft.com/office/drawing/2014/main" id="{68A4F61A-8793-6346-91EA-AC8BDEDB5A84}"/>
+              </a:ext>
+            </a:extLst>
+          </p:cNvPr>
+          <p:cNvSpPr>
+            <a:spLocks noGrp="1"/>
+          </p:cNvSpPr>
+          <p:nvPr>
+            <p:ph type="ftr" sz="quarter" idx="11"/>
+          </p:nvPr>
+        </p:nvSpPr>
+        <p:spPr/>
+        <p:txBody>
+          <a:bodyPr/>
+          <a:lstStyle/>
+          <a:p>
+            <a:r>
+              <a:rPr lang="en-US"/>
+              <a:t>© 2018 Matt Weeks, All Rights Reserved</a:t>
+            </a:r>
+            <a:endParaRPr lang="en-US" dirty="0"/>
+          </a:p>
+        </p:txBody>
+      </p:sp>
     </p:spTree>
     <p:extLst>
       <p:ext uri="{BB962C8B-B14F-4D97-AF65-F5344CB8AC3E}">
@@ -9537,6 +10564,35 @@
           </a:p>
         </p:txBody>
       </p:sp>
+      <p:sp>
+        <p:nvSpPr>
+          <p:cNvPr id="4" name="Footer Placeholder 3">
+            <a:extLst>
+              <a:ext uri="{FF2B5EF4-FFF2-40B4-BE49-F238E27FC236}">
+                <a16:creationId xmlns:a16="http://schemas.microsoft.com/office/drawing/2014/main" id="{69777C73-41B7-BF44-A7BE-72948DA87B46}"/>
+              </a:ext>
+            </a:extLst>
+          </p:cNvPr>
+          <p:cNvSpPr>
+            <a:spLocks noGrp="1"/>
+          </p:cNvSpPr>
+          <p:nvPr>
+            <p:ph type="ftr" sz="quarter" idx="11"/>
+          </p:nvPr>
+        </p:nvSpPr>
+        <p:spPr/>
+        <p:txBody>
+          <a:bodyPr/>
+          <a:lstStyle/>
+          <a:p>
+            <a:r>
+              <a:rPr lang="en-US"/>
+              <a:t>© 2018 Matt Weeks, All Rights Reserved</a:t>
+            </a:r>
+            <a:endParaRPr lang="en-US" dirty="0"/>
+          </a:p>
+        </p:txBody>
+      </p:sp>
     </p:spTree>
     <p:extLst>
       <p:ext uri="{BB962C8B-B14F-4D97-AF65-F5344CB8AC3E}">
@@ -9647,6 +10703,35 @@
           </a:p>
         </p:txBody>
       </p:sp>
+      <p:sp>
+        <p:nvSpPr>
+          <p:cNvPr id="4" name="Footer Placeholder 3">
+            <a:extLst>
+              <a:ext uri="{FF2B5EF4-FFF2-40B4-BE49-F238E27FC236}">
+                <a16:creationId xmlns:a16="http://schemas.microsoft.com/office/drawing/2014/main" id="{C3E2441B-BB31-A54F-A532-CEB17D53601A}"/>
+              </a:ext>
+            </a:extLst>
+          </p:cNvPr>
+          <p:cNvSpPr>
+            <a:spLocks noGrp="1"/>
+          </p:cNvSpPr>
+          <p:nvPr>
+            <p:ph type="ftr" sz="quarter" idx="11"/>
+          </p:nvPr>
+        </p:nvSpPr>
+        <p:spPr/>
+        <p:txBody>
+          <a:bodyPr/>
+          <a:lstStyle/>
+          <a:p>
+            <a:r>
+              <a:rPr lang="en-US"/>
+              <a:t>© 2018 Matt Weeks, All Rights Reserved</a:t>
+            </a:r>
+            <a:endParaRPr lang="en-US" dirty="0"/>
+          </a:p>
+        </p:txBody>
+      </p:sp>
     </p:spTree>
     <p:extLst>
       <p:ext uri="{BB962C8B-B14F-4D97-AF65-F5344CB8AC3E}">
@@ -9786,6 +10871,35 @@
           </a:p>
         </p:txBody>
       </p:sp>
+      <p:sp>
+        <p:nvSpPr>
+          <p:cNvPr id="4" name="Footer Placeholder 3">
+            <a:extLst>
+              <a:ext uri="{FF2B5EF4-FFF2-40B4-BE49-F238E27FC236}">
+                <a16:creationId xmlns:a16="http://schemas.microsoft.com/office/drawing/2014/main" id="{BA17B59B-63E4-B246-A3DA-BC8F5CCE2623}"/>
+              </a:ext>
+            </a:extLst>
+          </p:cNvPr>
+          <p:cNvSpPr>
+            <a:spLocks noGrp="1"/>
+          </p:cNvSpPr>
+          <p:nvPr>
+            <p:ph type="ftr" sz="quarter" idx="11"/>
+          </p:nvPr>
+        </p:nvSpPr>
+        <p:spPr/>
+        <p:txBody>
+          <a:bodyPr/>
+          <a:lstStyle/>
+          <a:p>
+            <a:r>
+              <a:rPr lang="en-US"/>
+              <a:t>© 2018 Matt Weeks, All Rights Reserved</a:t>
+            </a:r>
+            <a:endParaRPr lang="en-US" dirty="0"/>
+          </a:p>
+        </p:txBody>
+      </p:sp>
     </p:spTree>
     <p:extLst>
       <p:ext uri="{BB962C8B-B14F-4D97-AF65-F5344CB8AC3E}">
@@ -9934,6 +11048,35 @@
           </a:p>
         </p:txBody>
       </p:sp>
+      <p:sp>
+        <p:nvSpPr>
+          <p:cNvPr id="4" name="Footer Placeholder 3">
+            <a:extLst>
+              <a:ext uri="{FF2B5EF4-FFF2-40B4-BE49-F238E27FC236}">
+                <a16:creationId xmlns:a16="http://schemas.microsoft.com/office/drawing/2014/main" id="{7CA21960-E762-9541-9622-1A308D0D9C21}"/>
+              </a:ext>
+            </a:extLst>
+          </p:cNvPr>
+          <p:cNvSpPr>
+            <a:spLocks noGrp="1"/>
+          </p:cNvSpPr>
+          <p:nvPr>
+            <p:ph type="ftr" sz="quarter" idx="11"/>
+          </p:nvPr>
+        </p:nvSpPr>
+        <p:spPr/>
+        <p:txBody>
+          <a:bodyPr/>
+          <a:lstStyle/>
+          <a:p>
+            <a:r>
+              <a:rPr lang="en-US"/>
+              <a:t>© 2018 Matt Weeks, All Rights Reserved</a:t>
+            </a:r>
+            <a:endParaRPr lang="en-US" dirty="0"/>
+          </a:p>
+        </p:txBody>
+      </p:sp>
     </p:spTree>
     <p:extLst>
       <p:ext uri="{BB962C8B-B14F-4D97-AF65-F5344CB8AC3E}">
@@ -10073,6 +11216,35 @@
           </a:p>
         </p:txBody>
       </p:sp>
+      <p:sp>
+        <p:nvSpPr>
+          <p:cNvPr id="4" name="Footer Placeholder 3">
+            <a:extLst>
+              <a:ext uri="{FF2B5EF4-FFF2-40B4-BE49-F238E27FC236}">
+                <a16:creationId xmlns:a16="http://schemas.microsoft.com/office/drawing/2014/main" id="{469692D1-B8CC-4643-B183-FBB178F7BDE8}"/>
+              </a:ext>
+            </a:extLst>
+          </p:cNvPr>
+          <p:cNvSpPr>
+            <a:spLocks noGrp="1"/>
+          </p:cNvSpPr>
+          <p:nvPr>
+            <p:ph type="ftr" sz="quarter" idx="11"/>
+          </p:nvPr>
+        </p:nvSpPr>
+        <p:spPr/>
+        <p:txBody>
+          <a:bodyPr/>
+          <a:lstStyle/>
+          <a:p>
+            <a:r>
+              <a:rPr lang="en-US"/>
+              <a:t>© 2018 Matt Weeks, All Rights Reserved</a:t>
+            </a:r>
+            <a:endParaRPr lang="en-US" dirty="0"/>
+          </a:p>
+        </p:txBody>
+      </p:sp>
     </p:spTree>
     <p:extLst>
       <p:ext uri="{BB962C8B-B14F-4D97-AF65-F5344CB8AC3E}">
@@ -10206,6 +11378,35 @@
               <a:rPr lang="en-US" dirty="0"/>
               <a:t>	}</a:t>
             </a:r>
+          </a:p>
+        </p:txBody>
+      </p:sp>
+      <p:sp>
+        <p:nvSpPr>
+          <p:cNvPr id="4" name="Footer Placeholder 3">
+            <a:extLst>
+              <a:ext uri="{FF2B5EF4-FFF2-40B4-BE49-F238E27FC236}">
+                <a16:creationId xmlns:a16="http://schemas.microsoft.com/office/drawing/2014/main" id="{5BAF6219-CC29-C147-8822-3665BC5B1BBF}"/>
+              </a:ext>
+            </a:extLst>
+          </p:cNvPr>
+          <p:cNvSpPr>
+            <a:spLocks noGrp="1"/>
+          </p:cNvSpPr>
+          <p:nvPr>
+            <p:ph type="ftr" sz="quarter" idx="11"/>
+          </p:nvPr>
+        </p:nvSpPr>
+        <p:spPr/>
+        <p:txBody>
+          <a:bodyPr/>
+          <a:lstStyle/>
+          <a:p>
+            <a:r>
+              <a:rPr lang="en-US"/>
+              <a:t>© 2018 Matt Weeks, All Rights Reserved</a:t>
+            </a:r>
+            <a:endParaRPr lang="en-US" dirty="0"/>
           </a:p>
         </p:txBody>
       </p:sp>
@@ -10477,4 +11678,299 @@
     </a:ext>
   </a:extLst>
 </a:theme>
+</file>
+
+<file path=ppt/theme/theme2.xml><?xml version="1.0" encoding="utf-8"?>
+<a:theme xmlns:a="http://schemas.openxmlformats.org/drawingml/2006/main" name="Office Theme">
+  <a:themeElements>
+    <a:clrScheme name="Office">
+      <a:dk1>
+        <a:sysClr val="windowText" lastClr="000000"/>
+      </a:dk1>
+      <a:lt1>
+        <a:sysClr val="window" lastClr="FFFFFF"/>
+      </a:lt1>
+      <a:dk2>
+        <a:srgbClr val="44546A"/>
+      </a:dk2>
+      <a:lt2>
+        <a:srgbClr val="E7E6E6"/>
+      </a:lt2>
+      <a:accent1>
+        <a:srgbClr val="4472C4"/>
+      </a:accent1>
+      <a:accent2>
+        <a:srgbClr val="ED7D31"/>
+      </a:accent2>
+      <a:accent3>
+        <a:srgbClr val="A5A5A5"/>
+      </a:accent3>
+      <a:accent4>
+        <a:srgbClr val="FFC000"/>
+      </a:accent4>
+      <a:accent5>
+        <a:srgbClr val="5B9BD5"/>
+      </a:accent5>
+      <a:accent6>
+        <a:srgbClr val="70AD47"/>
+      </a:accent6>
+      <a:hlink>
+        <a:srgbClr val="0563C1"/>
+      </a:hlink>
+      <a:folHlink>
+        <a:srgbClr val="954F72"/>
+      </a:folHlink>
+    </a:clrScheme>
+    <a:fontScheme name="Office">
+      <a:majorFont>
+        <a:latin typeface="Calibri Light" panose="020F0302020204030204"/>
+        <a:ea typeface=""/>
+        <a:cs typeface=""/>
+        <a:font script="Jpan" typeface="游ゴシック Light"/>
+        <a:font script="Hang" typeface="맑은 고딕"/>
+        <a:font script="Hans" typeface="等线 Light"/>
+        <a:font script="Hant" typeface="新細明體"/>
+        <a:font script="Arab" typeface="Times New Roman"/>
+        <a:font script="Hebr" typeface="Times New Roman"/>
+        <a:font script="Thai" typeface="Angsana New"/>
+        <a:font script="Ethi" typeface="Nyala"/>
+        <a:font script="Beng" typeface="Vrinda"/>
+        <a:font script="Gujr" typeface="Shruti"/>
+        <a:font script="Khmr" typeface="MoolBoran"/>
+        <a:font script="Knda" typeface="Tunga"/>
+        <a:font script="Guru" typeface="Raavi"/>
+        <a:font script="Cans" typeface="Euphemia"/>
+        <a:font script="Cher" typeface="Plantagenet Cherokee"/>
+        <a:font script="Yiii" typeface="Microsoft Yi Baiti"/>
+        <a:font script="Tibt" typeface="Microsoft Himalaya"/>
+        <a:font script="Thaa" typeface="MV Boli"/>
+        <a:font script="Deva" typeface="Mangal"/>
+        <a:font script="Telu" typeface="Gautami"/>
+        <a:font script="Taml" typeface="Latha"/>
+        <a:font script="Syrc" typeface="Estrangelo Edessa"/>
+        <a:font script="Orya" typeface="Kalinga"/>
+        <a:font script="Mlym" typeface="Kartika"/>
+        <a:font script="Laoo" typeface="DokChampa"/>
+        <a:font script="Sinh" typeface="Iskoola Pota"/>
+        <a:font script="Mong" typeface="Mongolian Baiti"/>
+        <a:font script="Viet" typeface="Times New Roman"/>
+        <a:font script="Uigh" typeface="Microsoft Uighur"/>
+        <a:font script="Geor" typeface="Sylfaen"/>
+        <a:font script="Armn" typeface="Arial"/>
+        <a:font script="Bugi" typeface="Leelawadee UI"/>
+        <a:font script="Bopo" typeface="Microsoft JhengHei"/>
+        <a:font script="Java" typeface="Javanese Text"/>
+        <a:font script="Lisu" typeface="Segoe UI"/>
+        <a:font script="Mymr" typeface="Myanmar Text"/>
+        <a:font script="Nkoo" typeface="Ebrima"/>
+        <a:font script="Olck" typeface="Nirmala UI"/>
+        <a:font script="Osma" typeface="Ebrima"/>
+        <a:font script="Phag" typeface="Phagspa"/>
+        <a:font script="Syrn" typeface="Estrangelo Edessa"/>
+        <a:font script="Syrj" typeface="Estrangelo Edessa"/>
+        <a:font script="Syre" typeface="Estrangelo Edessa"/>
+        <a:font script="Sora" typeface="Nirmala UI"/>
+        <a:font script="Tale" typeface="Microsoft Tai Le"/>
+        <a:font script="Talu" typeface="Microsoft New Tai Lue"/>
+        <a:font script="Tfng" typeface="Ebrima"/>
+      </a:majorFont>
+      <a:minorFont>
+        <a:latin typeface="Calibri" panose="020F0502020204030204"/>
+        <a:ea typeface=""/>
+        <a:cs typeface=""/>
+        <a:font script="Jpan" typeface="游ゴシック"/>
+        <a:font script="Hang" typeface="맑은 고딕"/>
+        <a:font script="Hans" typeface="等线"/>
+        <a:font script="Hant" typeface="新細明體"/>
+        <a:font script="Arab" typeface="Arial"/>
+        <a:font script="Hebr" typeface="Arial"/>
+        <a:font script="Thai" typeface="Cordia New"/>
+        <a:font script="Ethi" typeface="Nyala"/>
+        <a:font script="Beng" typeface="Vrinda"/>
+        <a:font script="Gujr" typeface="Shruti"/>
+        <a:font script="Khmr" typeface="DaunPenh"/>
+        <a:font script="Knda" typeface="Tunga"/>
+        <a:font script="Guru" typeface="Raavi"/>
+        <a:font script="Cans" typeface="Euphemia"/>
+        <a:font script="Cher" typeface="Plantagenet Cherokee"/>
+        <a:font script="Yiii" typeface="Microsoft Yi Baiti"/>
+        <a:font script="Tibt" typeface="Microsoft Himalaya"/>
+        <a:font script="Thaa" typeface="MV Boli"/>
+        <a:font script="Deva" typeface="Mangal"/>
+        <a:font script="Telu" typeface="Gautami"/>
+        <a:font script="Taml" typeface="Latha"/>
+        <a:font script="Syrc" typeface="Estrangelo Edessa"/>
+        <a:font script="Orya" typeface="Kalinga"/>
+        <a:font script="Mlym" typeface="Kartika"/>
+        <a:font script="Laoo" typeface="DokChampa"/>
+        <a:font script="Sinh" typeface="Iskoola Pota"/>
+        <a:font script="Mong" typeface="Mongolian Baiti"/>
+        <a:font script="Viet" typeface="Arial"/>
+        <a:font script="Uigh" typeface="Microsoft Uighur"/>
+        <a:font script="Geor" typeface="Sylfaen"/>
+        <a:font script="Armn" typeface="Arial"/>
+        <a:font script="Bugi" typeface="Leelawadee UI"/>
+        <a:font script="Bopo" typeface="Microsoft JhengHei"/>
+        <a:font script="Java" typeface="Javanese Text"/>
+        <a:font script="Lisu" typeface="Segoe UI"/>
+        <a:font script="Mymr" typeface="Myanmar Text"/>
+        <a:font script="Nkoo" typeface="Ebrima"/>
+        <a:font script="Olck" typeface="Nirmala UI"/>
+        <a:font script="Osma" typeface="Ebrima"/>
+        <a:font script="Phag" typeface="Phagspa"/>
+        <a:font script="Syrn" typeface="Estrangelo Edessa"/>
+        <a:font script="Syrj" typeface="Estrangelo Edessa"/>
+        <a:font script="Syre" typeface="Estrangelo Edessa"/>
+        <a:font script="Sora" typeface="Nirmala UI"/>
+        <a:font script="Tale" typeface="Microsoft Tai Le"/>
+        <a:font script="Talu" typeface="Microsoft New Tai Lue"/>
+        <a:font script="Tfng" typeface="Ebrima"/>
+      </a:minorFont>
+    </a:fontScheme>
+    <a:fmtScheme name="Office">
+      <a:fillStyleLst>
+        <a:solidFill>
+          <a:schemeClr val="phClr"/>
+        </a:solidFill>
+        <a:gradFill rotWithShape="1">
+          <a:gsLst>
+            <a:gs pos="0">
+              <a:schemeClr val="phClr">
+                <a:lumMod val="110000"/>
+                <a:satMod val="105000"/>
+                <a:tint val="67000"/>
+              </a:schemeClr>
+            </a:gs>
+            <a:gs pos="50000">
+              <a:schemeClr val="phClr">
+                <a:lumMod val="105000"/>
+                <a:satMod val="103000"/>
+                <a:tint val="73000"/>
+              </a:schemeClr>
+            </a:gs>
+            <a:gs pos="100000">
+              <a:schemeClr val="phClr">
+                <a:lumMod val="105000"/>
+                <a:satMod val="109000"/>
+                <a:tint val="81000"/>
+              </a:schemeClr>
+            </a:gs>
+          </a:gsLst>
+          <a:lin ang="5400000" scaled="0"/>
+        </a:gradFill>
+        <a:gradFill rotWithShape="1">
+          <a:gsLst>
+            <a:gs pos="0">
+              <a:schemeClr val="phClr">
+                <a:satMod val="103000"/>
+                <a:lumMod val="102000"/>
+                <a:tint val="94000"/>
+              </a:schemeClr>
+            </a:gs>
+            <a:gs pos="50000">
+              <a:schemeClr val="phClr">
+                <a:satMod val="110000"/>
+                <a:lumMod val="100000"/>
+                <a:shade val="100000"/>
+              </a:schemeClr>
+            </a:gs>
+            <a:gs pos="100000">
+              <a:schemeClr val="phClr">
+                <a:lumMod val="99000"/>
+                <a:satMod val="120000"/>
+                <a:shade val="78000"/>
+              </a:schemeClr>
+            </a:gs>
+          </a:gsLst>
+          <a:lin ang="5400000" scaled="0"/>
+        </a:gradFill>
+      </a:fillStyleLst>
+      <a:lnStyleLst>
+        <a:ln w="6350" cap="flat" cmpd="sng" algn="ctr">
+          <a:solidFill>
+            <a:schemeClr val="phClr"/>
+          </a:solidFill>
+          <a:prstDash val="solid"/>
+          <a:miter lim="800000"/>
+        </a:ln>
+        <a:ln w="12700" cap="flat" cmpd="sng" algn="ctr">
+          <a:solidFill>
+            <a:schemeClr val="phClr"/>
+          </a:solidFill>
+          <a:prstDash val="solid"/>
+          <a:miter lim="800000"/>
+        </a:ln>
+        <a:ln w="19050" cap="flat" cmpd="sng" algn="ctr">
+          <a:solidFill>
+            <a:schemeClr val="phClr"/>
+          </a:solidFill>
+          <a:prstDash val="solid"/>
+          <a:miter lim="800000"/>
+        </a:ln>
+      </a:lnStyleLst>
+      <a:effectStyleLst>
+        <a:effectStyle>
+          <a:effectLst/>
+        </a:effectStyle>
+        <a:effectStyle>
+          <a:effectLst/>
+        </a:effectStyle>
+        <a:effectStyle>
+          <a:effectLst>
+            <a:outerShdw blurRad="57150" dist="19050" dir="5400000" algn="ctr" rotWithShape="0">
+              <a:srgbClr val="000000">
+                <a:alpha val="63000"/>
+              </a:srgbClr>
+            </a:outerShdw>
+          </a:effectLst>
+        </a:effectStyle>
+      </a:effectStyleLst>
+      <a:bgFillStyleLst>
+        <a:solidFill>
+          <a:schemeClr val="phClr"/>
+        </a:solidFill>
+        <a:solidFill>
+          <a:schemeClr val="phClr">
+            <a:tint val="95000"/>
+            <a:satMod val="170000"/>
+          </a:schemeClr>
+        </a:solidFill>
+        <a:gradFill rotWithShape="1">
+          <a:gsLst>
+            <a:gs pos="0">
+              <a:schemeClr val="phClr">
+                <a:tint val="93000"/>
+                <a:satMod val="150000"/>
+                <a:shade val="98000"/>
+                <a:lumMod val="102000"/>
+              </a:schemeClr>
+            </a:gs>
+            <a:gs pos="50000">
+              <a:schemeClr val="phClr">
+                <a:tint val="98000"/>
+                <a:satMod val="130000"/>
+                <a:shade val="90000"/>
+                <a:lumMod val="103000"/>
+              </a:schemeClr>
+            </a:gs>
+            <a:gs pos="100000">
+              <a:schemeClr val="phClr">
+                <a:shade val="63000"/>
+                <a:satMod val="120000"/>
+              </a:schemeClr>
+            </a:gs>
+          </a:gsLst>
+          <a:lin ang="5400000" scaled="0"/>
+        </a:gradFill>
+      </a:bgFillStyleLst>
+    </a:fmtScheme>
+  </a:themeElements>
+  <a:objectDefaults/>
+  <a:extraClrSchemeLst/>
+  <a:extLst>
+    <a:ext uri="{05A4C25C-085E-4340-85A3-A5531E510DB2}">
+      <thm15:themeFamily xmlns:thm15="http://schemas.microsoft.com/office/thememl/2012/main" name="Office Theme" id="{62F939B6-93AF-4DB8-9C6B-D6C7DFDC589F}" vid="{4A3C46E8-61CC-4603-A589-7422A47A8E4A}"/>
+    </a:ext>
+  </a:extLst>
+</a:theme>
 </file>